--- a/Oemof_Workshop_10_Kickoff_Friday.pptx
+++ b/Oemof_Workshop_10_Kickoff_Friday.pptx
@@ -10,8 +10,8 @@
   <p:sldIdLst>
     <p:sldId id="262" r:id="rId2"/>
     <p:sldId id="266" r:id="rId3"/>
-    <p:sldId id="263" r:id="rId4"/>
-    <p:sldId id="264" r:id="rId5"/>
+    <p:sldId id="264" r:id="rId4"/>
+    <p:sldId id="268" r:id="rId5"/>
     <p:sldId id="265" r:id="rId6"/>
   </p:sldIdLst>
   <p:sldSz cx="9144000" cy="6858000" type="screen4x3"/>
@@ -212,7 +212,7 @@
           <a:p>
             <a:fld id="{6BD11D3B-DADA-9042-8997-28ACE677BFD3}" type="datetimeFigureOut">
               <a:rPr lang="de-DE" smtClean="0"/>
-              <a:t>15.09.2019</a:t>
+              <a:t>20.09.2019</a:t>
             </a:fld>
             <a:endParaRPr lang="de-DE"/>
           </a:p>
@@ -752,8 +752,8 @@
           <a:lstStyle/>
           <a:p>
             <a:r>
-              <a:rPr lang="de-DE" dirty="0" smtClean="0"/>
-              <a:t>Call</a:t>
+              <a:rPr lang="de-DE" dirty="0" err="1" smtClean="0"/>
+              <a:t>Present</a:t>
             </a:r>
             <a:r>
               <a:rPr lang="de-DE" baseline="0" dirty="0" smtClean="0"/>
@@ -761,7 +761,7 @@
             </a:r>
             <a:r>
               <a:rPr lang="de-DE" baseline="0" dirty="0" err="1" smtClean="0"/>
-              <a:t>for</a:t>
+              <a:t>daily</a:t>
             </a:r>
             <a:r>
               <a:rPr lang="de-DE" baseline="0" dirty="0" smtClean="0"/>
@@ -769,7 +769,7 @@
             </a:r>
             <a:r>
               <a:rPr lang="de-DE" baseline="0" dirty="0" err="1" smtClean="0"/>
-              <a:t>attention</a:t>
+              <a:t>schedule</a:t>
             </a:r>
             <a:endParaRPr lang="de-DE" baseline="0" dirty="0" smtClean="0"/>
           </a:p>
@@ -793,110 +793,6 @@
             <a:fld id="{B1E58A51-5952-5047-839D-0803ED9D6A3D}" type="slidenum">
               <a:rPr lang="de-DE" smtClean="0"/>
               <a:t>2</a:t>
-            </a:fld>
-            <a:endParaRPr lang="de-DE"/>
-          </a:p>
-        </p:txBody>
-      </p:sp>
-    </p:spTree>
-    <p:extLst>
-      <p:ext uri="{BB962C8B-B14F-4D97-AF65-F5344CB8AC3E}">
-        <p14:creationId xmlns:p14="http://schemas.microsoft.com/office/powerpoint/2010/main" val="1799372765"/>
-      </p:ext>
-    </p:extLst>
-  </p:cSld>
-  <p:clrMapOvr>
-    <a:masterClrMapping/>
-  </p:clrMapOvr>
-</p:notes>
-</file>
-
-<file path=ppt/notesSlides/notesSlide4.xml><?xml version="1.0" encoding="utf-8"?>
-<p:notes xmlns:a="http://schemas.openxmlformats.org/drawingml/2006/main" xmlns:r="http://schemas.openxmlformats.org/officeDocument/2006/relationships" xmlns:p="http://schemas.openxmlformats.org/presentationml/2006/main">
-  <p:cSld>
-    <p:spTree>
-      <p:nvGrpSpPr>
-        <p:cNvPr id="1" name=""/>
-        <p:cNvGrpSpPr/>
-        <p:nvPr/>
-      </p:nvGrpSpPr>
-      <p:grpSpPr>
-        <a:xfrm>
-          <a:off x="0" y="0"/>
-          <a:ext cx="0" cy="0"/>
-          <a:chOff x="0" y="0"/>
-          <a:chExt cx="0" cy="0"/>
-        </a:xfrm>
-      </p:grpSpPr>
-      <p:sp>
-        <p:nvSpPr>
-          <p:cNvPr id="2" name="Folienbildplatzhalter 1"/>
-          <p:cNvSpPr>
-            <a:spLocks noGrp="1" noRot="1" noChangeAspect="1"/>
-          </p:cNvSpPr>
-          <p:nvPr>
-            <p:ph type="sldImg"/>
-          </p:nvPr>
-        </p:nvSpPr>
-        <p:spPr/>
-      </p:sp>
-      <p:sp>
-        <p:nvSpPr>
-          <p:cNvPr id="3" name="Notizenplatzhalter 2"/>
-          <p:cNvSpPr>
-            <a:spLocks noGrp="1"/>
-          </p:cNvSpPr>
-          <p:nvPr>
-            <p:ph type="body" idx="1"/>
-          </p:nvPr>
-        </p:nvSpPr>
-        <p:spPr/>
-        <p:txBody>
-          <a:bodyPr/>
-          <a:lstStyle/>
-          <a:p>
-            <a:r>
-              <a:rPr lang="de-DE" dirty="0" err="1" smtClean="0"/>
-              <a:t>Present</a:t>
-            </a:r>
-            <a:r>
-              <a:rPr lang="de-DE" baseline="0" dirty="0" smtClean="0"/>
-              <a:t> </a:t>
-            </a:r>
-            <a:r>
-              <a:rPr lang="de-DE" baseline="0" dirty="0" err="1" smtClean="0"/>
-              <a:t>daily</a:t>
-            </a:r>
-            <a:r>
-              <a:rPr lang="de-DE" baseline="0" dirty="0" smtClean="0"/>
-              <a:t> </a:t>
-            </a:r>
-            <a:r>
-              <a:rPr lang="de-DE" baseline="0" dirty="0" err="1" smtClean="0"/>
-              <a:t>schedule</a:t>
-            </a:r>
-            <a:endParaRPr lang="de-DE" baseline="0" dirty="0" smtClean="0"/>
-          </a:p>
-        </p:txBody>
-      </p:sp>
-      <p:sp>
-        <p:nvSpPr>
-          <p:cNvPr id="4" name="Foliennummernplatzhalter 3"/>
-          <p:cNvSpPr>
-            <a:spLocks noGrp="1"/>
-          </p:cNvSpPr>
-          <p:nvPr>
-            <p:ph type="sldNum" sz="quarter" idx="10"/>
-          </p:nvPr>
-        </p:nvSpPr>
-        <p:spPr/>
-        <p:txBody>
-          <a:bodyPr/>
-          <a:lstStyle/>
-          <a:p>
-            <a:fld id="{B1E58A51-5952-5047-839D-0803ED9D6A3D}" type="slidenum">
-              <a:rPr lang="de-DE" smtClean="0"/>
-              <a:t>3</a:t>
             </a:fld>
             <a:endParaRPr lang="de-DE"/>
           </a:p>
@@ -9947,23 +9843,15 @@
               </a:spcAft>
             </a:pPr>
             <a:r>
-              <a:rPr lang="de-DE" sz="3200" b="1" dirty="0" smtClean="0">
+              <a:rPr lang="de-DE" sz="3200" dirty="0" err="1">
                 <a:latin typeface="Roboto Medium" panose="02000000000000000000" pitchFamily="2" charset="0"/>
                 <a:ea typeface="Roboto Medium" panose="02000000000000000000" pitchFamily="2" charset="0"/>
                 <a:cs typeface="Roboto Medium" panose="02000000000000000000" pitchFamily="2" charset="0"/>
               </a:rPr>
-              <a:t>Welcome </a:t>
-            </a:r>
-            <a:r>
-              <a:rPr lang="de-DE" sz="3200" b="1" dirty="0" err="1" smtClean="0">
-                <a:latin typeface="Roboto Medium" panose="02000000000000000000" pitchFamily="2" charset="0"/>
-                <a:ea typeface="Roboto Medium" panose="02000000000000000000" pitchFamily="2" charset="0"/>
-                <a:cs typeface="Roboto Medium" panose="02000000000000000000" pitchFamily="2" charset="0"/>
-              </a:rPr>
-              <a:t>to</a:t>
-            </a:r>
-            <a:r>
-              <a:rPr lang="de-DE" sz="3200" b="1" dirty="0" smtClean="0">
+              <a:t>Finding</a:t>
+            </a:r>
+            <a:r>
+              <a:rPr lang="de-DE" sz="3200" dirty="0">
                 <a:latin typeface="Roboto Medium" panose="02000000000000000000" pitchFamily="2" charset="0"/>
                 <a:ea typeface="Roboto Medium" panose="02000000000000000000" pitchFamily="2" charset="0"/>
                 <a:cs typeface="Roboto Medium" panose="02000000000000000000" pitchFamily="2" charset="0"/>
@@ -9971,22 +9859,110 @@
               <a:t> </a:t>
             </a:r>
             <a:r>
-              <a:rPr lang="de-DE" sz="3200" b="1" dirty="0" err="1" smtClean="0">
+              <a:rPr lang="de-DE" sz="3200" dirty="0" err="1">
                 <a:latin typeface="Roboto Medium" panose="02000000000000000000" pitchFamily="2" charset="0"/>
                 <a:ea typeface="Roboto Medium" panose="02000000000000000000" pitchFamily="2" charset="0"/>
                 <a:cs typeface="Roboto Medium" panose="02000000000000000000" pitchFamily="2" charset="0"/>
               </a:rPr>
-              <a:t>the</a:t>
-            </a:r>
-            <a:r>
-              <a:rPr lang="de-DE" sz="3200" b="1" dirty="0" smtClean="0">
+              <a:t>synergies</a:t>
+            </a:r>
+            <a:r>
+              <a:rPr lang="de-DE" sz="3200" dirty="0">
                 <a:latin typeface="Roboto Medium" panose="02000000000000000000" pitchFamily="2" charset="0"/>
                 <a:ea typeface="Roboto Medium" panose="02000000000000000000" pitchFamily="2" charset="0"/>
                 <a:cs typeface="Roboto Medium" panose="02000000000000000000" pitchFamily="2" charset="0"/>
               </a:rPr>
-              <a:t> RLI!</a:t>
-            </a:r>
-            <a:endParaRPr lang="de-DE" sz="3200" dirty="0" smtClean="0">
+              <a:t> </a:t>
+            </a:r>
+            <a:r>
+              <a:rPr lang="de-DE" sz="3200" dirty="0" err="1">
+                <a:latin typeface="Roboto Medium" panose="02000000000000000000" pitchFamily="2" charset="0"/>
+                <a:ea typeface="Roboto Medium" panose="02000000000000000000" pitchFamily="2" charset="0"/>
+                <a:cs typeface="Roboto Medium" panose="02000000000000000000" pitchFamily="2" charset="0"/>
+              </a:rPr>
+              <a:t>and</a:t>
+            </a:r>
+            <a:r>
+              <a:rPr lang="de-DE" sz="3200" dirty="0">
+                <a:latin typeface="Roboto Medium" panose="02000000000000000000" pitchFamily="2" charset="0"/>
+                <a:ea typeface="Roboto Medium" panose="02000000000000000000" pitchFamily="2" charset="0"/>
+                <a:cs typeface="Roboto Medium" panose="02000000000000000000" pitchFamily="2" charset="0"/>
+              </a:rPr>
+              <a:t> </a:t>
+            </a:r>
+            <a:r>
+              <a:rPr lang="de-DE" sz="3200" dirty="0" err="1">
+                <a:latin typeface="Roboto Medium" panose="02000000000000000000" pitchFamily="2" charset="0"/>
+                <a:ea typeface="Roboto Medium" panose="02000000000000000000" pitchFamily="2" charset="0"/>
+                <a:cs typeface="Roboto Medium" panose="02000000000000000000" pitchFamily="2" charset="0"/>
+              </a:rPr>
+              <a:t>developing</a:t>
+            </a:r>
+            <a:r>
+              <a:rPr lang="de-DE" sz="3200" dirty="0">
+                <a:latin typeface="Roboto Medium" panose="02000000000000000000" pitchFamily="2" charset="0"/>
+                <a:ea typeface="Roboto Medium" panose="02000000000000000000" pitchFamily="2" charset="0"/>
+                <a:cs typeface="Roboto Medium" panose="02000000000000000000" pitchFamily="2" charset="0"/>
+              </a:rPr>
+              <a:t> </a:t>
+            </a:r>
+            <a:r>
+              <a:rPr lang="de-DE" sz="3200" dirty="0" err="1">
+                <a:latin typeface="Roboto Medium" panose="02000000000000000000" pitchFamily="2" charset="0"/>
+                <a:ea typeface="Roboto Medium" panose="02000000000000000000" pitchFamily="2" charset="0"/>
+                <a:cs typeface="Roboto Medium" panose="02000000000000000000" pitchFamily="2" charset="0"/>
+              </a:rPr>
+              <a:t>ideas</a:t>
+            </a:r>
+            <a:r>
+              <a:rPr lang="de-DE" sz="3200" dirty="0">
+                <a:latin typeface="Roboto Medium" panose="02000000000000000000" pitchFamily="2" charset="0"/>
+                <a:ea typeface="Roboto Medium" panose="02000000000000000000" pitchFamily="2" charset="0"/>
+                <a:cs typeface="Roboto Medium" panose="02000000000000000000" pitchFamily="2" charset="0"/>
+              </a:rPr>
+              <a:t> </a:t>
+            </a:r>
+            <a:r>
+              <a:rPr lang="de-DE" sz="3200" dirty="0" err="1">
+                <a:latin typeface="Roboto Medium" panose="02000000000000000000" pitchFamily="2" charset="0"/>
+                <a:ea typeface="Roboto Medium" panose="02000000000000000000" pitchFamily="2" charset="0"/>
+                <a:cs typeface="Roboto Medium" panose="02000000000000000000" pitchFamily="2" charset="0"/>
+              </a:rPr>
+              <a:t>for</a:t>
+            </a:r>
+            <a:r>
+              <a:rPr lang="de-DE" sz="3200" dirty="0">
+                <a:latin typeface="Roboto Medium" panose="02000000000000000000" pitchFamily="2" charset="0"/>
+                <a:ea typeface="Roboto Medium" panose="02000000000000000000" pitchFamily="2" charset="0"/>
+                <a:cs typeface="Roboto Medium" panose="02000000000000000000" pitchFamily="2" charset="0"/>
+              </a:rPr>
+              <a:t> a </a:t>
+            </a:r>
+            <a:r>
+              <a:rPr lang="de-DE" sz="3200" dirty="0" err="1">
+                <a:latin typeface="Roboto Medium" panose="02000000000000000000" pitchFamily="2" charset="0"/>
+                <a:ea typeface="Roboto Medium" panose="02000000000000000000" pitchFamily="2" charset="0"/>
+                <a:cs typeface="Roboto Medium" panose="02000000000000000000" pitchFamily="2" charset="0"/>
+              </a:rPr>
+              <a:t>oemof</a:t>
+            </a:r>
+            <a:r>
+              <a:rPr lang="de-DE" sz="3200" dirty="0">
+                <a:latin typeface="Roboto Medium" panose="02000000000000000000" pitchFamily="2" charset="0"/>
+                <a:ea typeface="Roboto Medium" panose="02000000000000000000" pitchFamily="2" charset="0"/>
+                <a:cs typeface="Roboto Medium" panose="02000000000000000000" pitchFamily="2" charset="0"/>
+              </a:rPr>
+              <a:t> </a:t>
+            </a:r>
+            <a:r>
+              <a:rPr lang="de-DE" sz="3200" dirty="0" err="1">
+                <a:latin typeface="Roboto Medium" panose="02000000000000000000" pitchFamily="2" charset="0"/>
+                <a:ea typeface="Roboto Medium" panose="02000000000000000000" pitchFamily="2" charset="0"/>
+                <a:cs typeface="Roboto Medium" panose="02000000000000000000" pitchFamily="2" charset="0"/>
+              </a:rPr>
+              <a:t>colloboration</a:t>
+            </a:r>
+            <a:endParaRPr lang="de-DE" sz="3200" dirty="0">
               <a:latin typeface="Roboto Medium" panose="02000000000000000000" pitchFamily="2" charset="0"/>
               <a:ea typeface="Roboto Medium" panose="02000000000000000000" pitchFamily="2" charset="0"/>
               <a:cs typeface="Roboto Medium" panose="02000000000000000000" pitchFamily="2" charset="0"/>
@@ -10083,48 +10059,47 @@
       </p:grpSpPr>
       <p:sp>
         <p:nvSpPr>
-          <p:cNvPr id="3" name="Datumsplatzhalter 2"/>
-          <p:cNvSpPr>
-            <a:spLocks noGrp="1"/>
-          </p:cNvSpPr>
-          <p:nvPr>
-            <p:ph type="dt" sz="half" idx="19"/>
-          </p:nvPr>
-        </p:nvSpPr>
-        <p:spPr>
-          <a:xfrm>
-            <a:off x="628650" y="6487210"/>
-            <a:ext cx="2057400" cy="365125"/>
-          </a:xfrm>
-        </p:spPr>
+          <p:cNvPr id="2" name="Titel 1"/>
+          <p:cNvSpPr>
+            <a:spLocks noGrp="1"/>
+          </p:cNvSpPr>
+          <p:nvPr>
+            <p:ph type="title"/>
+          </p:nvPr>
+        </p:nvSpPr>
+        <p:spPr/>
         <p:txBody>
           <a:bodyPr/>
           <a:lstStyle/>
           <a:p>
-            <a:r>
-              <a:rPr lang="en-US" dirty="0" smtClean="0"/>
-              <a:t>September 20, 2019</a:t>
-            </a:r>
-            <a:endParaRPr lang="de-DE" dirty="0"/>
-          </a:p>
-        </p:txBody>
-      </p:sp>
-      <p:sp>
-        <p:nvSpPr>
-          <p:cNvPr id="4" name="Foliennummernplatzhalter 3"/>
-          <p:cNvSpPr>
-            <a:spLocks noGrp="1"/>
-          </p:cNvSpPr>
-          <p:nvPr>
-            <p:ph type="sldNum" sz="quarter" idx="21"/>
-          </p:nvPr>
-        </p:nvSpPr>
-        <p:spPr>
-          <a:xfrm>
-            <a:off x="6457950" y="6487210"/>
-            <a:ext cx="2057400" cy="365125"/>
-          </a:xfrm>
-        </p:spPr>
+            <a:pPr lvl="0"/>
+            <a:r>
+              <a:rPr lang="en-US" dirty="0" smtClean="0">
+                <a:latin typeface="Roboto" panose="02000000000000000000" pitchFamily="2" charset="0"/>
+                <a:ea typeface="Roboto" panose="02000000000000000000" pitchFamily="2" charset="0"/>
+                <a:cs typeface="Roboto" panose="02000000000000000000" pitchFamily="2" charset="0"/>
+              </a:rPr>
+              <a:t>Agenda of the day</a:t>
+            </a:r>
+            <a:endParaRPr lang="en-US" dirty="0">
+              <a:latin typeface="Roboto" panose="02000000000000000000" pitchFamily="2" charset="0"/>
+              <a:ea typeface="Roboto" panose="02000000000000000000" pitchFamily="2" charset="0"/>
+              <a:cs typeface="Roboto" panose="02000000000000000000" pitchFamily="2" charset="0"/>
+            </a:endParaRPr>
+          </a:p>
+        </p:txBody>
+      </p:sp>
+      <p:sp>
+        <p:nvSpPr>
+          <p:cNvPr id="3" name="Foliennummernplatzhalter 2"/>
+          <p:cNvSpPr>
+            <a:spLocks noGrp="1"/>
+          </p:cNvSpPr>
+          <p:nvPr>
+            <p:ph type="sldNum" sz="quarter" idx="11"/>
+          </p:nvPr>
+        </p:nvSpPr>
+        <p:spPr/>
         <p:txBody>
           <a:bodyPr/>
           <a:lstStyle/>
@@ -10140,320 +10115,6 @@
       </p:sp>
       <p:sp>
         <p:nvSpPr>
-          <p:cNvPr id="5" name="Fußzeilenplatzhalter 4"/>
-          <p:cNvSpPr>
-            <a:spLocks noGrp="1"/>
-          </p:cNvSpPr>
-          <p:nvPr>
-            <p:ph type="ftr" sz="quarter" idx="20"/>
-          </p:nvPr>
-        </p:nvSpPr>
-        <p:spPr>
-          <a:xfrm>
-            <a:off x="3028950" y="6487210"/>
-            <a:ext cx="3086100" cy="365125"/>
-          </a:xfrm>
-        </p:spPr>
-        <p:txBody>
-          <a:bodyPr/>
-          <a:lstStyle/>
-          <a:p>
-            <a:r>
-              <a:rPr lang="en-US" smtClean="0"/>
-              <a:t>Reiner Lemoine Institut</a:t>
-            </a:r>
-            <a:endParaRPr lang="de-DE" dirty="0"/>
-          </a:p>
-        </p:txBody>
-      </p:sp>
-      <p:sp>
-        <p:nvSpPr>
-          <p:cNvPr id="11" name="Titel 10"/>
-          <p:cNvSpPr>
-            <a:spLocks noGrp="1"/>
-          </p:cNvSpPr>
-          <p:nvPr>
-            <p:ph type="title"/>
-          </p:nvPr>
-        </p:nvSpPr>
-        <p:spPr/>
-        <p:txBody>
-          <a:bodyPr>
-            <a:normAutofit/>
-          </a:bodyPr>
-          <a:lstStyle/>
-          <a:p>
-            <a:r>
-              <a:rPr lang="de-DE" dirty="0" err="1" smtClean="0"/>
-              <a:t>Today‘s</a:t>
-            </a:r>
-            <a:r>
-              <a:rPr lang="de-DE" dirty="0" smtClean="0"/>
-              <a:t> </a:t>
-            </a:r>
-            <a:r>
-              <a:rPr lang="de-DE" dirty="0" err="1" smtClean="0"/>
-              <a:t>goal</a:t>
-            </a:r>
-            <a:endParaRPr lang="de-DE" dirty="0"/>
-          </a:p>
-        </p:txBody>
-      </p:sp>
-      <p:sp>
-        <p:nvSpPr>
-          <p:cNvPr id="2" name="Textplatzhalter 1"/>
-          <p:cNvSpPr>
-            <a:spLocks noGrp="1"/>
-          </p:cNvSpPr>
-          <p:nvPr>
-            <p:ph type="body" sz="quarter" idx="17"/>
-          </p:nvPr>
-        </p:nvSpPr>
-        <p:spPr>
-          <a:xfrm>
-            <a:off x="1470056" y="2531772"/>
-            <a:ext cx="6016594" cy="2069725"/>
-          </a:xfrm>
-          <a:solidFill>
-            <a:schemeClr val="bg1">
-              <a:lumMod val="95000"/>
-            </a:schemeClr>
-          </a:solidFill>
-        </p:spPr>
-        <p:txBody>
-          <a:bodyPr anchor="ctr">
-            <a:normAutofit/>
-          </a:bodyPr>
-          <a:lstStyle/>
-          <a:p>
-            <a:pPr algn="ctr">
-              <a:spcAft>
-                <a:spcPts val="600"/>
-              </a:spcAft>
-            </a:pPr>
-            <a:r>
-              <a:rPr lang="de-DE" sz="3200" dirty="0" err="1" smtClean="0">
-                <a:latin typeface="Roboto Medium" panose="02000000000000000000" pitchFamily="2" charset="0"/>
-                <a:ea typeface="Roboto Medium" panose="02000000000000000000" pitchFamily="2" charset="0"/>
-                <a:cs typeface="Roboto Medium" panose="02000000000000000000" pitchFamily="2" charset="0"/>
-              </a:rPr>
-              <a:t>Finding</a:t>
-            </a:r>
-            <a:r>
-              <a:rPr lang="de-DE" sz="3200" dirty="0" smtClean="0">
-                <a:latin typeface="Roboto Medium" panose="02000000000000000000" pitchFamily="2" charset="0"/>
-                <a:ea typeface="Roboto Medium" panose="02000000000000000000" pitchFamily="2" charset="0"/>
-                <a:cs typeface="Roboto Medium" panose="02000000000000000000" pitchFamily="2" charset="0"/>
-              </a:rPr>
-              <a:t> </a:t>
-            </a:r>
-            <a:r>
-              <a:rPr lang="de-DE" sz="3200" dirty="0" err="1" smtClean="0">
-                <a:latin typeface="Roboto Medium" panose="02000000000000000000" pitchFamily="2" charset="0"/>
-                <a:ea typeface="Roboto Medium" panose="02000000000000000000" pitchFamily="2" charset="0"/>
-                <a:cs typeface="Roboto Medium" panose="02000000000000000000" pitchFamily="2" charset="0"/>
-              </a:rPr>
-              <a:t>synergies</a:t>
-            </a:r>
-            <a:r>
-              <a:rPr lang="de-DE" sz="3200" dirty="0" smtClean="0">
-                <a:latin typeface="Roboto Medium" panose="02000000000000000000" pitchFamily="2" charset="0"/>
-                <a:ea typeface="Roboto Medium" panose="02000000000000000000" pitchFamily="2" charset="0"/>
-                <a:cs typeface="Roboto Medium" panose="02000000000000000000" pitchFamily="2" charset="0"/>
-              </a:rPr>
-              <a:t> </a:t>
-            </a:r>
-            <a:r>
-              <a:rPr lang="de-DE" sz="3200" dirty="0" err="1" smtClean="0">
-                <a:latin typeface="Roboto Medium" panose="02000000000000000000" pitchFamily="2" charset="0"/>
-                <a:ea typeface="Roboto Medium" panose="02000000000000000000" pitchFamily="2" charset="0"/>
-                <a:cs typeface="Roboto Medium" panose="02000000000000000000" pitchFamily="2" charset="0"/>
-              </a:rPr>
-              <a:t>and</a:t>
-            </a:r>
-            <a:r>
-              <a:rPr lang="de-DE" sz="3200" dirty="0" smtClean="0">
-                <a:latin typeface="Roboto Medium" panose="02000000000000000000" pitchFamily="2" charset="0"/>
-                <a:ea typeface="Roboto Medium" panose="02000000000000000000" pitchFamily="2" charset="0"/>
-                <a:cs typeface="Roboto Medium" panose="02000000000000000000" pitchFamily="2" charset="0"/>
-              </a:rPr>
-              <a:t> </a:t>
-            </a:r>
-            <a:r>
-              <a:rPr lang="de-DE" sz="3200" dirty="0" err="1" smtClean="0">
-                <a:latin typeface="Roboto Medium" panose="02000000000000000000" pitchFamily="2" charset="0"/>
-                <a:ea typeface="Roboto Medium" panose="02000000000000000000" pitchFamily="2" charset="0"/>
-                <a:cs typeface="Roboto Medium" panose="02000000000000000000" pitchFamily="2" charset="0"/>
-              </a:rPr>
-              <a:t>developing</a:t>
-            </a:r>
-            <a:r>
-              <a:rPr lang="de-DE" sz="3200" dirty="0" smtClean="0">
-                <a:latin typeface="Roboto Medium" panose="02000000000000000000" pitchFamily="2" charset="0"/>
-                <a:ea typeface="Roboto Medium" panose="02000000000000000000" pitchFamily="2" charset="0"/>
-                <a:cs typeface="Roboto Medium" panose="02000000000000000000" pitchFamily="2" charset="0"/>
-              </a:rPr>
-              <a:t> </a:t>
-            </a:r>
-            <a:r>
-              <a:rPr lang="de-DE" sz="3200" dirty="0" err="1" smtClean="0">
-                <a:latin typeface="Roboto Medium" panose="02000000000000000000" pitchFamily="2" charset="0"/>
-                <a:ea typeface="Roboto Medium" panose="02000000000000000000" pitchFamily="2" charset="0"/>
-                <a:cs typeface="Roboto Medium" panose="02000000000000000000" pitchFamily="2" charset="0"/>
-              </a:rPr>
-              <a:t>ideas</a:t>
-            </a:r>
-            <a:r>
-              <a:rPr lang="de-DE" sz="3200" dirty="0" smtClean="0">
-                <a:latin typeface="Roboto Medium" panose="02000000000000000000" pitchFamily="2" charset="0"/>
-                <a:ea typeface="Roboto Medium" panose="02000000000000000000" pitchFamily="2" charset="0"/>
-                <a:cs typeface="Roboto Medium" panose="02000000000000000000" pitchFamily="2" charset="0"/>
-              </a:rPr>
-              <a:t> </a:t>
-            </a:r>
-            <a:r>
-              <a:rPr lang="de-DE" sz="3200" dirty="0" err="1" smtClean="0">
-                <a:latin typeface="Roboto Medium" panose="02000000000000000000" pitchFamily="2" charset="0"/>
-                <a:ea typeface="Roboto Medium" panose="02000000000000000000" pitchFamily="2" charset="0"/>
-                <a:cs typeface="Roboto Medium" panose="02000000000000000000" pitchFamily="2" charset="0"/>
-              </a:rPr>
-              <a:t>for</a:t>
-            </a:r>
-            <a:r>
-              <a:rPr lang="de-DE" sz="3200" dirty="0" smtClean="0">
-                <a:latin typeface="Roboto Medium" panose="02000000000000000000" pitchFamily="2" charset="0"/>
-                <a:ea typeface="Roboto Medium" panose="02000000000000000000" pitchFamily="2" charset="0"/>
-                <a:cs typeface="Roboto Medium" panose="02000000000000000000" pitchFamily="2" charset="0"/>
-              </a:rPr>
-              <a:t> a </a:t>
-            </a:r>
-            <a:r>
-              <a:rPr lang="de-DE" sz="3200" dirty="0" err="1" smtClean="0">
-                <a:latin typeface="Roboto Medium" panose="02000000000000000000" pitchFamily="2" charset="0"/>
-                <a:ea typeface="Roboto Medium" panose="02000000000000000000" pitchFamily="2" charset="0"/>
-                <a:cs typeface="Roboto Medium" panose="02000000000000000000" pitchFamily="2" charset="0"/>
-              </a:rPr>
-              <a:t>oemof</a:t>
-            </a:r>
-            <a:r>
-              <a:rPr lang="de-DE" sz="3200" dirty="0" smtClean="0">
-                <a:latin typeface="Roboto Medium" panose="02000000000000000000" pitchFamily="2" charset="0"/>
-                <a:ea typeface="Roboto Medium" panose="02000000000000000000" pitchFamily="2" charset="0"/>
-                <a:cs typeface="Roboto Medium" panose="02000000000000000000" pitchFamily="2" charset="0"/>
-              </a:rPr>
-              <a:t> </a:t>
-            </a:r>
-            <a:r>
-              <a:rPr lang="de-DE" sz="3200" dirty="0" err="1" smtClean="0">
-                <a:latin typeface="Roboto Medium" panose="02000000000000000000" pitchFamily="2" charset="0"/>
-                <a:ea typeface="Roboto Medium" panose="02000000000000000000" pitchFamily="2" charset="0"/>
-                <a:cs typeface="Roboto Medium" panose="02000000000000000000" pitchFamily="2" charset="0"/>
-              </a:rPr>
-              <a:t>colloboration</a:t>
-            </a:r>
-            <a:endParaRPr lang="de-DE" sz="3200" dirty="0" smtClean="0">
-              <a:latin typeface="Roboto Medium" panose="02000000000000000000" pitchFamily="2" charset="0"/>
-              <a:ea typeface="Roboto Medium" panose="02000000000000000000" pitchFamily="2" charset="0"/>
-              <a:cs typeface="Roboto Medium" panose="02000000000000000000" pitchFamily="2" charset="0"/>
-            </a:endParaRPr>
-          </a:p>
-        </p:txBody>
-      </p:sp>
-    </p:spTree>
-    <p:extLst>
-      <p:ext uri="{BB962C8B-B14F-4D97-AF65-F5344CB8AC3E}">
-        <p14:creationId xmlns:p14="http://schemas.microsoft.com/office/powerpoint/2010/main" val="3892000529"/>
-      </p:ext>
-    </p:extLst>
-  </p:cSld>
-  <p:clrMapOvr>
-    <a:masterClrMapping/>
-  </p:clrMapOvr>
-  <p:timing>
-    <p:tnLst>
-      <p:par>
-        <p:cTn id="1" dur="indefinite" restart="never" nodeType="tmRoot"/>
-      </p:par>
-    </p:tnLst>
-  </p:timing>
-</p:sld>
-</file>
-
-<file path=ppt/slides/slide4.xml><?xml version="1.0" encoding="utf-8"?>
-<p:sld xmlns:a="http://schemas.openxmlformats.org/drawingml/2006/main" xmlns:r="http://schemas.openxmlformats.org/officeDocument/2006/relationships" xmlns:p="http://schemas.openxmlformats.org/presentationml/2006/main">
-  <p:cSld>
-    <p:spTree>
-      <p:nvGrpSpPr>
-        <p:cNvPr id="1" name=""/>
-        <p:cNvGrpSpPr/>
-        <p:nvPr/>
-      </p:nvGrpSpPr>
-      <p:grpSpPr>
-        <a:xfrm>
-          <a:off x="0" y="0"/>
-          <a:ext cx="0" cy="0"/>
-          <a:chOff x="0" y="0"/>
-          <a:chExt cx="0" cy="0"/>
-        </a:xfrm>
-      </p:grpSpPr>
-      <p:sp>
-        <p:nvSpPr>
-          <p:cNvPr id="2" name="Titel 1"/>
-          <p:cNvSpPr>
-            <a:spLocks noGrp="1"/>
-          </p:cNvSpPr>
-          <p:nvPr>
-            <p:ph type="title"/>
-          </p:nvPr>
-        </p:nvSpPr>
-        <p:spPr/>
-        <p:txBody>
-          <a:bodyPr/>
-          <a:lstStyle/>
-          <a:p>
-            <a:pPr lvl="0"/>
-            <a:r>
-              <a:rPr lang="en-US" dirty="0" smtClean="0">
-                <a:latin typeface="Roboto" panose="02000000000000000000" pitchFamily="2" charset="0"/>
-                <a:ea typeface="Roboto" panose="02000000000000000000" pitchFamily="2" charset="0"/>
-                <a:cs typeface="Roboto" panose="02000000000000000000" pitchFamily="2" charset="0"/>
-              </a:rPr>
-              <a:t>Agenda of the day</a:t>
-            </a:r>
-            <a:endParaRPr lang="en-US" dirty="0">
-              <a:latin typeface="Roboto" panose="02000000000000000000" pitchFamily="2" charset="0"/>
-              <a:ea typeface="Roboto" panose="02000000000000000000" pitchFamily="2" charset="0"/>
-              <a:cs typeface="Roboto" panose="02000000000000000000" pitchFamily="2" charset="0"/>
-            </a:endParaRPr>
-          </a:p>
-        </p:txBody>
-      </p:sp>
-      <p:sp>
-        <p:nvSpPr>
-          <p:cNvPr id="3" name="Foliennummernplatzhalter 2"/>
-          <p:cNvSpPr>
-            <a:spLocks noGrp="1"/>
-          </p:cNvSpPr>
-          <p:nvPr>
-            <p:ph type="sldNum" sz="quarter" idx="11"/>
-          </p:nvPr>
-        </p:nvSpPr>
-        <p:spPr/>
-        <p:txBody>
-          <a:bodyPr/>
-          <a:lstStyle/>
-          <a:p>
-            <a:fld id="{C2A96E4E-EC3F-424D-8211-F17AF9FC0446}" type="slidenum">
-              <a:rPr lang="de-DE" smtClean="0"/>
-              <a:pPr/>
-              <a:t>3</a:t>
-            </a:fld>
-            <a:endParaRPr lang="de-DE" dirty="0"/>
-          </a:p>
-        </p:txBody>
-      </p:sp>
-      <p:sp>
-        <p:nvSpPr>
           <p:cNvPr id="4" name="Fußzeilenplatzhalter 3"/>
           <p:cNvSpPr>
             <a:spLocks noGrp="1"/>
@@ -10507,7 +10168,7 @@
           <p:nvPr>
             <p:extLst>
               <p:ext uri="{D42A27DB-BD31-4B8C-83A1-F6EECF244321}">
-                <p14:modId xmlns:p14="http://schemas.microsoft.com/office/powerpoint/2010/main" val="1325350565"/>
+                <p14:modId xmlns:p14="http://schemas.microsoft.com/office/powerpoint/2010/main" val="2039467800"/>
               </p:ext>
             </p:extLst>
           </p:nvPr>
@@ -10720,7 +10381,11 @@
                     <a:p>
                       <a:r>
                         <a:rPr lang="de-DE" dirty="0" smtClean="0"/>
-                        <a:t>- 9:30</a:t>
+                        <a:t>- </a:t>
+                      </a:r>
+                      <a:r>
+                        <a:rPr lang="de-DE" dirty="0" smtClean="0"/>
+                        <a:t>9:15</a:t>
                       </a:r>
                       <a:endParaRPr lang="de-DE" dirty="0"/>
                     </a:p>
@@ -10789,12 +10454,8 @@
                     <a:lstStyle/>
                     <a:p>
                       <a:r>
-                        <a:rPr lang="de-DE" dirty="0" err="1" smtClean="0"/>
-                        <a:t>Cafe</a:t>
-                      </a:r>
-                      <a:r>
-                        <a:rPr lang="de-DE" baseline="0" dirty="0" smtClean="0"/>
-                        <a:t> TBA</a:t>
+                        <a:rPr lang="de-DE" dirty="0" smtClean="0"/>
+                        <a:t>TU Library, R211</a:t>
                       </a:r>
                       <a:endParaRPr lang="de-DE" dirty="0"/>
                     </a:p>
@@ -10836,7 +10497,7 @@
                     <a:p>
                       <a:r>
                         <a:rPr lang="de-DE" dirty="0" smtClean="0"/>
-                        <a:t>9:30</a:t>
+                        <a:t>9:15</a:t>
                       </a:r>
                       <a:endParaRPr lang="de-DE" dirty="0"/>
                     </a:p>
@@ -10906,19 +10567,15 @@
                     <a:p>
                       <a:r>
                         <a:rPr lang="de-DE" dirty="0" err="1" smtClean="0"/>
-                        <a:t>Programming</a:t>
+                        <a:t>Brainstorm</a:t>
                       </a:r>
                       <a:r>
                         <a:rPr lang="de-DE" baseline="0" dirty="0" smtClean="0"/>
-                        <a:t> </a:t>
+                        <a:t> &amp; </a:t>
                       </a:r>
                       <a:r>
                         <a:rPr lang="de-DE" baseline="0" dirty="0" err="1" smtClean="0"/>
-                        <a:t>session</a:t>
-                      </a:r>
-                      <a:r>
-                        <a:rPr lang="de-DE" baseline="0" dirty="0" smtClean="0"/>
-                        <a:t> V</a:t>
+                        <a:t>Discussion</a:t>
                       </a:r>
                       <a:endParaRPr lang="de-DE" dirty="0"/>
                     </a:p>
@@ -10952,12 +10609,8 @@
                     <a:lstStyle/>
                     <a:p>
                       <a:r>
-                        <a:rPr lang="de-DE" dirty="0" err="1" smtClean="0"/>
-                        <a:t>Cafe</a:t>
-                      </a:r>
-                      <a:r>
                         <a:rPr lang="de-DE" dirty="0" smtClean="0"/>
-                        <a:t> TBA</a:t>
+                        <a:t>TU Library, R211</a:t>
                       </a:r>
                       <a:endParaRPr lang="de-DE" dirty="0"/>
                     </a:p>
@@ -10999,8 +10652,9 @@
                     <a:p>
                       <a:r>
                         <a:rPr lang="de-DE" dirty="0" smtClean="0"/>
-                        <a:t>10:00</a:t>
+                        <a:t>11:00</a:t>
                       </a:r>
+                      <a:endParaRPr lang="de-DE" dirty="0" smtClean="0"/>
                     </a:p>
                   </a:txBody>
                   <a:tcPr>
@@ -11033,8 +10687,13 @@
                     <a:p>
                       <a:r>
                         <a:rPr lang="de-DE" dirty="0" smtClean="0"/>
-                        <a:t>- 11:30</a:t>
+                        <a:t>- </a:t>
                       </a:r>
+                      <a:r>
+                        <a:rPr lang="de-DE" dirty="0" smtClean="0"/>
+                        <a:t>11:15</a:t>
+                      </a:r>
+                      <a:endParaRPr lang="de-DE" dirty="0" smtClean="0"/>
                     </a:p>
                   </a:txBody>
                   <a:tcPr>
@@ -11105,12 +10764,8 @@
                     <a:lstStyle/>
                     <a:p>
                       <a:r>
-                        <a:rPr lang="de-DE" dirty="0" err="1" smtClean="0"/>
-                        <a:t>Cafe</a:t>
-                      </a:r>
-                      <a:r>
                         <a:rPr lang="de-DE" dirty="0" smtClean="0"/>
-                        <a:t> TBA</a:t>
+                        <a:t>TU Library, R211</a:t>
                       </a:r>
                       <a:endParaRPr lang="de-DE" dirty="0"/>
                     </a:p>
@@ -11152,8 +10807,9 @@
                     <a:p>
                       <a:r>
                         <a:rPr lang="de-DE" dirty="0" smtClean="0"/>
-                        <a:t>11:30</a:t>
+                        <a:t>11:15</a:t>
                       </a:r>
+                      <a:endParaRPr lang="de-DE" dirty="0" smtClean="0"/>
                     </a:p>
                   </a:txBody>
                   <a:tcPr>
@@ -11186,8 +10842,13 @@
                     <a:p>
                       <a:r>
                         <a:rPr lang="de-DE" dirty="0" smtClean="0"/>
-                        <a:t>- 12:00</a:t>
+                        <a:t>- </a:t>
                       </a:r>
+                      <a:r>
+                        <a:rPr lang="de-DE" dirty="0" smtClean="0"/>
+                        <a:t>11:30</a:t>
+                      </a:r>
+                      <a:endParaRPr lang="de-DE" dirty="0" smtClean="0"/>
                     </a:p>
                   </a:txBody>
                   <a:tcPr>
@@ -11254,12 +10915,8 @@
                     <a:lstStyle/>
                     <a:p>
                       <a:r>
-                        <a:rPr lang="de-DE" dirty="0" err="1" smtClean="0"/>
-                        <a:t>Cafe</a:t>
-                      </a:r>
-                      <a:r>
                         <a:rPr lang="de-DE" dirty="0" smtClean="0"/>
-                        <a:t> TBA</a:t>
+                        <a:t>TU Library, R211</a:t>
                       </a:r>
                       <a:endParaRPr lang="de-DE" dirty="0"/>
                     </a:p>
@@ -11480,6 +11137,264 @@
           </a:graphicData>
         </a:graphic>
       </p:graphicFrame>
+      <p:sp>
+        <p:nvSpPr>
+          <p:cNvPr id="5" name="Textfeld 4"/>
+          <p:cNvSpPr txBox="1"/>
+          <p:nvPr/>
+        </p:nvSpPr>
+        <p:spPr>
+          <a:xfrm>
+            <a:off x="972782" y="4641499"/>
+            <a:ext cx="7256818" cy="1323439"/>
+          </a:xfrm>
+          <a:prstGeom prst="rect">
+            <a:avLst/>
+          </a:prstGeom>
+          <a:noFill/>
+        </p:spPr>
+        <p:txBody>
+          <a:bodyPr wrap="square" rtlCol="0">
+            <a:spAutoFit/>
+          </a:bodyPr>
+          <a:lstStyle/>
+          <a:p>
+            <a:r>
+              <a:rPr lang="de-DE" sz="2000" dirty="0" err="1" smtClean="0">
+                <a:latin typeface="Roboto Light" panose="02000000000000000000" pitchFamily="2" charset="0"/>
+                <a:ea typeface="Roboto Light" panose="02000000000000000000" pitchFamily="2" charset="0"/>
+                <a:cs typeface="Roboto Light" panose="02000000000000000000" pitchFamily="2" charset="0"/>
+              </a:rPr>
+              <a:t>Questions</a:t>
+            </a:r>
+            <a:r>
+              <a:rPr lang="de-DE" sz="2000" dirty="0" smtClean="0">
+                <a:latin typeface="Roboto Light" panose="02000000000000000000" pitchFamily="2" charset="0"/>
+                <a:ea typeface="Roboto Light" panose="02000000000000000000" pitchFamily="2" charset="0"/>
+                <a:cs typeface="Roboto Light" panose="02000000000000000000" pitchFamily="2" charset="0"/>
+              </a:rPr>
+              <a:t>:</a:t>
+            </a:r>
+          </a:p>
+          <a:p>
+            <a:pPr marL="342900" indent="-342900">
+              <a:buFont typeface="Arial" panose="020B0604020202020204" pitchFamily="34" charset="0"/>
+              <a:buChar char="•"/>
+            </a:pPr>
+            <a:r>
+              <a:rPr lang="de-DE" sz="2000" dirty="0" smtClean="0">
+                <a:latin typeface="Roboto Light" panose="02000000000000000000" pitchFamily="2" charset="0"/>
+                <a:ea typeface="Roboto Light" panose="02000000000000000000" pitchFamily="2" charset="0"/>
+                <a:cs typeface="Roboto Light" panose="02000000000000000000" pitchFamily="2" charset="0"/>
+              </a:rPr>
+              <a:t>A </a:t>
+            </a:r>
+            <a:r>
+              <a:rPr lang="de-DE" sz="2000" dirty="0" err="1" smtClean="0">
+                <a:latin typeface="Roboto Light" panose="02000000000000000000" pitchFamily="2" charset="0"/>
+                <a:ea typeface="Roboto Light" panose="02000000000000000000" pitchFamily="2" charset="0"/>
+                <a:cs typeface="Roboto Light" panose="02000000000000000000" pitchFamily="2" charset="0"/>
+              </a:rPr>
+              <a:t>sandwich</a:t>
+            </a:r>
+            <a:r>
+              <a:rPr lang="de-DE" sz="2000" dirty="0" smtClean="0">
+                <a:latin typeface="Roboto Light" panose="02000000000000000000" pitchFamily="2" charset="0"/>
+                <a:ea typeface="Roboto Light" panose="02000000000000000000" pitchFamily="2" charset="0"/>
+                <a:cs typeface="Roboto Light" panose="02000000000000000000" pitchFamily="2" charset="0"/>
+              </a:rPr>
+              <a:t> </a:t>
+            </a:r>
+            <a:r>
+              <a:rPr lang="de-DE" sz="2000" dirty="0" err="1" smtClean="0">
+                <a:latin typeface="Roboto Light" panose="02000000000000000000" pitchFamily="2" charset="0"/>
+                <a:ea typeface="Roboto Light" panose="02000000000000000000" pitchFamily="2" charset="0"/>
+                <a:cs typeface="Roboto Light" panose="02000000000000000000" pitchFamily="2" charset="0"/>
+              </a:rPr>
+              <a:t>for</a:t>
+            </a:r>
+            <a:r>
+              <a:rPr lang="de-DE" sz="2000" dirty="0" smtClean="0">
+                <a:latin typeface="Roboto Light" panose="02000000000000000000" pitchFamily="2" charset="0"/>
+                <a:ea typeface="Roboto Light" panose="02000000000000000000" pitchFamily="2" charset="0"/>
+                <a:cs typeface="Roboto Light" panose="02000000000000000000" pitchFamily="2" charset="0"/>
+              </a:rPr>
+              <a:t> lunch at 11.30?</a:t>
+            </a:r>
+          </a:p>
+          <a:p>
+            <a:pPr marL="342900" indent="-342900">
+              <a:buFont typeface="Arial" panose="020B0604020202020204" pitchFamily="34" charset="0"/>
+              <a:buChar char="•"/>
+            </a:pPr>
+            <a:r>
+              <a:rPr lang="de-DE" sz="2000" dirty="0" err="1" smtClean="0">
+                <a:latin typeface="Roboto Light" panose="02000000000000000000" pitchFamily="2" charset="0"/>
+                <a:ea typeface="Roboto Light" panose="02000000000000000000" pitchFamily="2" charset="0"/>
+                <a:cs typeface="Roboto Light" panose="02000000000000000000" pitchFamily="2" charset="0"/>
+              </a:rPr>
+              <a:t>Getting</a:t>
+            </a:r>
+            <a:r>
+              <a:rPr lang="de-DE" sz="2000" dirty="0" smtClean="0">
+                <a:latin typeface="Roboto Light" panose="02000000000000000000" pitchFamily="2" charset="0"/>
+                <a:ea typeface="Roboto Light" panose="02000000000000000000" pitchFamily="2" charset="0"/>
+                <a:cs typeface="Roboto Light" panose="02000000000000000000" pitchFamily="2" charset="0"/>
+              </a:rPr>
+              <a:t> </a:t>
+            </a:r>
+            <a:r>
+              <a:rPr lang="de-DE" sz="2000" dirty="0" err="1" smtClean="0">
+                <a:latin typeface="Roboto Light" panose="02000000000000000000" pitchFamily="2" charset="0"/>
+                <a:ea typeface="Roboto Light" panose="02000000000000000000" pitchFamily="2" charset="0"/>
+                <a:cs typeface="Roboto Light" panose="02000000000000000000" pitchFamily="2" charset="0"/>
+              </a:rPr>
+              <a:t>to</a:t>
+            </a:r>
+            <a:r>
+              <a:rPr lang="de-DE" sz="2000" dirty="0" smtClean="0">
+                <a:latin typeface="Roboto Light" panose="02000000000000000000" pitchFamily="2" charset="0"/>
+                <a:ea typeface="Roboto Light" panose="02000000000000000000" pitchFamily="2" charset="0"/>
+                <a:cs typeface="Roboto Light" panose="02000000000000000000" pitchFamily="2" charset="0"/>
+              </a:rPr>
+              <a:t> </a:t>
+            </a:r>
+            <a:r>
+              <a:rPr lang="de-DE" sz="2000" dirty="0" err="1" smtClean="0">
+                <a:latin typeface="Roboto Light" panose="02000000000000000000" pitchFamily="2" charset="0"/>
+                <a:ea typeface="Roboto Light" panose="02000000000000000000" pitchFamily="2" charset="0"/>
+                <a:cs typeface="Roboto Light" panose="02000000000000000000" pitchFamily="2" charset="0"/>
+              </a:rPr>
+              <a:t>the</a:t>
+            </a:r>
+            <a:r>
+              <a:rPr lang="de-DE" sz="2000" dirty="0" smtClean="0">
+                <a:latin typeface="Roboto Light" panose="02000000000000000000" pitchFamily="2" charset="0"/>
+                <a:ea typeface="Roboto Light" panose="02000000000000000000" pitchFamily="2" charset="0"/>
+                <a:cs typeface="Roboto Light" panose="02000000000000000000" pitchFamily="2" charset="0"/>
+              </a:rPr>
+              <a:t> </a:t>
+            </a:r>
+            <a:r>
+              <a:rPr lang="de-DE" sz="2000" dirty="0" err="1" smtClean="0">
+                <a:latin typeface="Roboto Light" panose="02000000000000000000" pitchFamily="2" charset="0"/>
+                <a:ea typeface="Roboto Light" panose="02000000000000000000" pitchFamily="2" charset="0"/>
+                <a:cs typeface="Roboto Light" panose="02000000000000000000" pitchFamily="2" charset="0"/>
+              </a:rPr>
+              <a:t>demonstration</a:t>
+            </a:r>
+            <a:r>
+              <a:rPr lang="de-DE" sz="2000" dirty="0" smtClean="0">
+                <a:latin typeface="Roboto Light" panose="02000000000000000000" pitchFamily="2" charset="0"/>
+                <a:ea typeface="Roboto Light" panose="02000000000000000000" pitchFamily="2" charset="0"/>
+                <a:cs typeface="Roboto Light" panose="02000000000000000000" pitchFamily="2" charset="0"/>
+              </a:rPr>
+              <a:t>: </a:t>
+            </a:r>
+            <a:r>
+              <a:rPr lang="de-DE" sz="2000" dirty="0" err="1" smtClean="0">
+                <a:latin typeface="Roboto Light" panose="02000000000000000000" pitchFamily="2" charset="0"/>
+                <a:ea typeface="Roboto Light" panose="02000000000000000000" pitchFamily="2" charset="0"/>
+                <a:cs typeface="Roboto Light" panose="02000000000000000000" pitchFamily="2" charset="0"/>
+              </a:rPr>
+              <a:t>Walk</a:t>
+            </a:r>
+            <a:r>
+              <a:rPr lang="de-DE" sz="2000" dirty="0" smtClean="0">
+                <a:latin typeface="Roboto Light" panose="02000000000000000000" pitchFamily="2" charset="0"/>
+                <a:ea typeface="Roboto Light" panose="02000000000000000000" pitchFamily="2" charset="0"/>
+                <a:cs typeface="Roboto Light" panose="02000000000000000000" pitchFamily="2" charset="0"/>
+              </a:rPr>
+              <a:t> </a:t>
+            </a:r>
+            <a:r>
+              <a:rPr lang="de-DE" sz="2000" dirty="0" err="1" smtClean="0">
+                <a:latin typeface="Roboto Light" panose="02000000000000000000" pitchFamily="2" charset="0"/>
+                <a:ea typeface="Roboto Light" panose="02000000000000000000" pitchFamily="2" charset="0"/>
+                <a:cs typeface="Roboto Light" panose="02000000000000000000" pitchFamily="2" charset="0"/>
+              </a:rPr>
+              <a:t>through</a:t>
+            </a:r>
+            <a:r>
+              <a:rPr lang="de-DE" sz="2000" dirty="0" smtClean="0">
+                <a:latin typeface="Roboto Light" panose="02000000000000000000" pitchFamily="2" charset="0"/>
+                <a:ea typeface="Roboto Light" panose="02000000000000000000" pitchFamily="2" charset="0"/>
+                <a:cs typeface="Roboto Light" panose="02000000000000000000" pitchFamily="2" charset="0"/>
+              </a:rPr>
+              <a:t> Tiergarten </a:t>
+            </a:r>
+            <a:r>
+              <a:rPr lang="de-DE" sz="2000" dirty="0" err="1" smtClean="0">
+                <a:latin typeface="Roboto Light" panose="02000000000000000000" pitchFamily="2" charset="0"/>
+                <a:ea typeface="Roboto Light" panose="02000000000000000000" pitchFamily="2" charset="0"/>
+                <a:cs typeface="Roboto Light" panose="02000000000000000000" pitchFamily="2" charset="0"/>
+              </a:rPr>
+              <a:t>or</a:t>
+            </a:r>
+            <a:r>
+              <a:rPr lang="de-DE" sz="2000" dirty="0">
+                <a:latin typeface="Roboto Light" panose="02000000000000000000" pitchFamily="2" charset="0"/>
+                <a:ea typeface="Roboto Light" panose="02000000000000000000" pitchFamily="2" charset="0"/>
+                <a:cs typeface="Roboto Light" panose="02000000000000000000" pitchFamily="2" charset="0"/>
+              </a:rPr>
+              <a:t> </a:t>
+            </a:r>
+            <a:r>
+              <a:rPr lang="de-DE" sz="2000" dirty="0" err="1" smtClean="0">
+                <a:latin typeface="Roboto Light" panose="02000000000000000000" pitchFamily="2" charset="0"/>
+                <a:ea typeface="Roboto Light" panose="02000000000000000000" pitchFamily="2" charset="0"/>
+                <a:cs typeface="Roboto Light" panose="02000000000000000000" pitchFamily="2" charset="0"/>
+              </a:rPr>
+              <a:t>two</a:t>
+            </a:r>
+            <a:r>
+              <a:rPr lang="de-DE" sz="2000" dirty="0" smtClean="0">
+                <a:latin typeface="Roboto Light" panose="02000000000000000000" pitchFamily="2" charset="0"/>
+                <a:ea typeface="Roboto Light" panose="02000000000000000000" pitchFamily="2" charset="0"/>
+                <a:cs typeface="Roboto Light" panose="02000000000000000000" pitchFamily="2" charset="0"/>
+              </a:rPr>
+              <a:t> </a:t>
+            </a:r>
+            <a:r>
+              <a:rPr lang="de-DE" sz="2000" dirty="0" err="1" smtClean="0">
+                <a:latin typeface="Roboto Light" panose="02000000000000000000" pitchFamily="2" charset="0"/>
+                <a:ea typeface="Roboto Light" panose="02000000000000000000" pitchFamily="2" charset="0"/>
+                <a:cs typeface="Roboto Light" panose="02000000000000000000" pitchFamily="2" charset="0"/>
+              </a:rPr>
+              <a:t>stations</a:t>
+            </a:r>
+            <a:r>
+              <a:rPr lang="de-DE" sz="2000" dirty="0" smtClean="0">
+                <a:latin typeface="Roboto Light" panose="02000000000000000000" pitchFamily="2" charset="0"/>
+                <a:ea typeface="Roboto Light" panose="02000000000000000000" pitchFamily="2" charset="0"/>
+                <a:cs typeface="Roboto Light" panose="02000000000000000000" pitchFamily="2" charset="0"/>
+              </a:rPr>
+              <a:t> </a:t>
+            </a:r>
+            <a:r>
+              <a:rPr lang="de-DE" sz="2000" dirty="0" err="1" smtClean="0">
+                <a:latin typeface="Roboto Light" panose="02000000000000000000" pitchFamily="2" charset="0"/>
+                <a:ea typeface="Roboto Light" panose="02000000000000000000" pitchFamily="2" charset="0"/>
+                <a:cs typeface="Roboto Light" panose="02000000000000000000" pitchFamily="2" charset="0"/>
+              </a:rPr>
+              <a:t>to</a:t>
+            </a:r>
+            <a:r>
+              <a:rPr lang="de-DE" sz="2000" dirty="0" smtClean="0">
+                <a:latin typeface="Roboto Light" panose="02000000000000000000" pitchFamily="2" charset="0"/>
+                <a:ea typeface="Roboto Light" panose="02000000000000000000" pitchFamily="2" charset="0"/>
+                <a:cs typeface="Roboto Light" panose="02000000000000000000" pitchFamily="2" charset="0"/>
+              </a:rPr>
+              <a:t> Hauptbahnhof?</a:t>
+            </a:r>
+            <a:endParaRPr lang="en-GB" sz="2000" dirty="0">
+              <a:latin typeface="Roboto Light" panose="02000000000000000000" pitchFamily="2" charset="0"/>
+              <a:ea typeface="Roboto Light" panose="02000000000000000000" pitchFamily="2" charset="0"/>
+              <a:cs typeface="Roboto Light" panose="02000000000000000000" pitchFamily="2" charset="0"/>
+            </a:endParaRPr>
+          </a:p>
+        </p:txBody>
+      </p:sp>
     </p:spTree>
     <p:extLst>
       <p:ext uri="{BB962C8B-B14F-4D97-AF65-F5344CB8AC3E}">
@@ -11505,6 +11420,395 @@
       </p:par>
     </p:tnLst>
   </p:timing>
+</p:sld>
+</file>
+
+<file path=ppt/slides/slide4.xml><?xml version="1.0" encoding="utf-8"?>
+<p:sld xmlns:a="http://schemas.openxmlformats.org/drawingml/2006/main" xmlns:r="http://schemas.openxmlformats.org/officeDocument/2006/relationships" xmlns:p="http://schemas.openxmlformats.org/presentationml/2006/main">
+  <p:cSld>
+    <p:spTree>
+      <p:nvGrpSpPr>
+        <p:cNvPr id="1" name=""/>
+        <p:cNvGrpSpPr/>
+        <p:nvPr/>
+      </p:nvGrpSpPr>
+      <p:grpSpPr>
+        <a:xfrm>
+          <a:off x="0" y="0"/>
+          <a:ext cx="0" cy="0"/>
+          <a:chOff x="0" y="0"/>
+          <a:chExt cx="0" cy="0"/>
+        </a:xfrm>
+      </p:grpSpPr>
+      <p:sp>
+        <p:nvSpPr>
+          <p:cNvPr id="2" name="Titel 1"/>
+          <p:cNvSpPr>
+            <a:spLocks noGrp="1"/>
+          </p:cNvSpPr>
+          <p:nvPr>
+            <p:ph type="title"/>
+          </p:nvPr>
+        </p:nvSpPr>
+        <p:spPr/>
+        <p:txBody>
+          <a:bodyPr/>
+          <a:lstStyle/>
+          <a:p>
+            <a:r>
+              <a:rPr lang="de-DE" dirty="0" err="1" smtClean="0"/>
+              <a:t>Brainstorm</a:t>
+            </a:r>
+            <a:r>
+              <a:rPr lang="de-DE" dirty="0"/>
+              <a:t> </a:t>
+            </a:r>
+            <a:r>
+              <a:rPr lang="de-DE" dirty="0" err="1" smtClean="0"/>
+              <a:t>and</a:t>
+            </a:r>
+            <a:r>
+              <a:rPr lang="de-DE" dirty="0" smtClean="0"/>
+              <a:t> </a:t>
+            </a:r>
+            <a:r>
+              <a:rPr lang="de-DE" dirty="0" err="1" smtClean="0"/>
+              <a:t>discussion</a:t>
+            </a:r>
+            <a:r>
+              <a:rPr lang="de-DE" dirty="0" smtClean="0"/>
+              <a:t> </a:t>
+            </a:r>
+            <a:r>
+              <a:rPr lang="de-DE" dirty="0" err="1" smtClean="0"/>
+              <a:t>ideas</a:t>
+            </a:r>
+            <a:endParaRPr lang="en-GB" dirty="0"/>
+          </a:p>
+        </p:txBody>
+      </p:sp>
+      <p:sp>
+        <p:nvSpPr>
+          <p:cNvPr id="3" name="Foliennummernplatzhalter 2"/>
+          <p:cNvSpPr>
+            <a:spLocks noGrp="1"/>
+          </p:cNvSpPr>
+          <p:nvPr>
+            <p:ph type="sldNum" sz="quarter" idx="11"/>
+          </p:nvPr>
+        </p:nvSpPr>
+        <p:spPr/>
+        <p:txBody>
+          <a:bodyPr/>
+          <a:lstStyle/>
+          <a:p>
+            <a:fld id="{C2A96E4E-EC3F-424D-8211-F17AF9FC0446}" type="slidenum">
+              <a:rPr lang="de-DE" smtClean="0"/>
+              <a:pPr/>
+              <a:t>3</a:t>
+            </a:fld>
+            <a:endParaRPr lang="de-DE" dirty="0"/>
+          </a:p>
+        </p:txBody>
+      </p:sp>
+      <p:sp>
+        <p:nvSpPr>
+          <p:cNvPr id="4" name="Fußzeilenplatzhalter 3"/>
+          <p:cNvSpPr>
+            <a:spLocks noGrp="1"/>
+          </p:cNvSpPr>
+          <p:nvPr>
+            <p:ph type="ftr" sz="quarter" idx="12"/>
+          </p:nvPr>
+        </p:nvSpPr>
+        <p:spPr/>
+        <p:txBody>
+          <a:bodyPr/>
+          <a:lstStyle/>
+          <a:p>
+            <a:r>
+              <a:rPr lang="de-DE" smtClean="0"/>
+              <a:t>Reiner Lemoine Institut</a:t>
+            </a:r>
+            <a:endParaRPr lang="de-DE" dirty="0"/>
+          </a:p>
+        </p:txBody>
+      </p:sp>
+      <p:sp>
+        <p:nvSpPr>
+          <p:cNvPr id="5" name="Textplatzhalter 4"/>
+          <p:cNvSpPr>
+            <a:spLocks noGrp="1"/>
+          </p:cNvSpPr>
+          <p:nvPr>
+            <p:ph type="body" sz="quarter" idx="13"/>
+          </p:nvPr>
+        </p:nvSpPr>
+        <p:spPr/>
+        <p:txBody>
+          <a:bodyPr/>
+          <a:lstStyle/>
+          <a:p>
+            <a:r>
+              <a:rPr lang="de-DE" dirty="0" err="1" smtClean="0"/>
+              <a:t>What</a:t>
+            </a:r>
+            <a:r>
+              <a:rPr lang="de-DE" dirty="0" smtClean="0"/>
+              <a:t> </a:t>
+            </a:r>
+            <a:r>
+              <a:rPr lang="de-DE" dirty="0" err="1" smtClean="0"/>
+              <a:t>is</a:t>
+            </a:r>
+            <a:r>
+              <a:rPr lang="de-DE" dirty="0" smtClean="0"/>
+              <a:t> </a:t>
+            </a:r>
+            <a:r>
+              <a:rPr lang="de-DE" dirty="0" err="1" smtClean="0"/>
+              <a:t>oemof</a:t>
+            </a:r>
+            <a:r>
+              <a:rPr lang="de-DE" dirty="0" smtClean="0"/>
+              <a:t> </a:t>
+            </a:r>
+            <a:r>
+              <a:rPr lang="de-DE" dirty="0" err="1" smtClean="0"/>
+              <a:t>missing</a:t>
+            </a:r>
+            <a:r>
+              <a:rPr lang="de-DE" dirty="0" smtClean="0"/>
+              <a:t>?</a:t>
+            </a:r>
+          </a:p>
+          <a:p>
+            <a:r>
+              <a:rPr lang="de-DE" dirty="0" err="1" smtClean="0"/>
+              <a:t>What</a:t>
+            </a:r>
+            <a:r>
+              <a:rPr lang="de-DE" dirty="0" smtClean="0"/>
+              <a:t> </a:t>
+            </a:r>
+            <a:r>
+              <a:rPr lang="de-DE" dirty="0" err="1" smtClean="0"/>
+              <a:t>should</a:t>
+            </a:r>
+            <a:r>
+              <a:rPr lang="de-DE" dirty="0" smtClean="0"/>
+              <a:t> </a:t>
+            </a:r>
+            <a:r>
+              <a:rPr lang="de-DE" dirty="0" err="1" smtClean="0"/>
+              <a:t>be</a:t>
+            </a:r>
+            <a:r>
+              <a:rPr lang="de-DE" dirty="0" smtClean="0"/>
+              <a:t> </a:t>
+            </a:r>
+            <a:r>
+              <a:rPr lang="de-DE" dirty="0" err="1" smtClean="0"/>
+              <a:t>added</a:t>
+            </a:r>
+            <a:r>
+              <a:rPr lang="de-DE" dirty="0" smtClean="0"/>
+              <a:t> </a:t>
+            </a:r>
+            <a:r>
+              <a:rPr lang="de-DE" dirty="0" err="1" smtClean="0"/>
+              <a:t>to</a:t>
+            </a:r>
+            <a:r>
+              <a:rPr lang="de-DE" dirty="0" smtClean="0"/>
+              <a:t> </a:t>
+            </a:r>
+            <a:r>
+              <a:rPr lang="de-DE" dirty="0" err="1" smtClean="0"/>
+              <a:t>the</a:t>
+            </a:r>
+            <a:r>
+              <a:rPr lang="de-DE" dirty="0" smtClean="0"/>
+              <a:t> MVS?</a:t>
+            </a:r>
+          </a:p>
+          <a:p>
+            <a:r>
+              <a:rPr lang="de-DE" dirty="0" err="1" smtClean="0"/>
+              <a:t>What</a:t>
+            </a:r>
+            <a:r>
+              <a:rPr lang="de-DE" dirty="0" smtClean="0"/>
+              <a:t> </a:t>
+            </a:r>
+            <a:r>
+              <a:rPr lang="de-DE" dirty="0" err="1" smtClean="0"/>
+              <a:t>are</a:t>
+            </a:r>
+            <a:r>
+              <a:rPr lang="de-DE" dirty="0" smtClean="0"/>
+              <a:t> </a:t>
+            </a:r>
+            <a:r>
+              <a:rPr lang="de-DE" dirty="0" err="1" smtClean="0"/>
+              <a:t>tasks</a:t>
+            </a:r>
+            <a:r>
+              <a:rPr lang="de-DE" dirty="0" smtClean="0"/>
+              <a:t> </a:t>
+            </a:r>
+            <a:r>
+              <a:rPr lang="de-DE" dirty="0" err="1" smtClean="0"/>
+              <a:t>for</a:t>
+            </a:r>
+            <a:r>
+              <a:rPr lang="de-DE" dirty="0" smtClean="0"/>
+              <a:t> </a:t>
+            </a:r>
+            <a:r>
+              <a:rPr lang="de-DE" dirty="0" err="1" smtClean="0"/>
+              <a:t>future</a:t>
+            </a:r>
+            <a:r>
+              <a:rPr lang="de-DE" dirty="0" smtClean="0"/>
+              <a:t> </a:t>
+            </a:r>
+            <a:r>
+              <a:rPr lang="de-DE" dirty="0" err="1" smtClean="0"/>
+              <a:t>colloboration</a:t>
+            </a:r>
+            <a:endParaRPr lang="de-DE" dirty="0" smtClean="0"/>
+          </a:p>
+          <a:p>
+            <a:pPr lvl="1"/>
+            <a:r>
+              <a:rPr lang="de-DE" dirty="0" err="1" smtClean="0"/>
+              <a:t>Marc‘s</a:t>
+            </a:r>
+            <a:r>
+              <a:rPr lang="de-DE" dirty="0" smtClean="0"/>
+              <a:t> </a:t>
+            </a:r>
+            <a:r>
+              <a:rPr lang="de-DE" dirty="0" err="1" smtClean="0"/>
+              <a:t>work</a:t>
+            </a:r>
+            <a:r>
+              <a:rPr lang="de-DE" dirty="0" smtClean="0"/>
+              <a:t> on multi-</a:t>
+            </a:r>
+            <a:r>
+              <a:rPr lang="de-DE" dirty="0" err="1" smtClean="0"/>
+              <a:t>objective</a:t>
+            </a:r>
+            <a:r>
+              <a:rPr lang="de-DE" dirty="0" smtClean="0"/>
+              <a:t> </a:t>
+            </a:r>
+            <a:r>
+              <a:rPr lang="de-DE" dirty="0" err="1" smtClean="0"/>
+              <a:t>optimzation</a:t>
+            </a:r>
+            <a:endParaRPr lang="de-DE" dirty="0" smtClean="0"/>
+          </a:p>
+          <a:p>
+            <a:pPr lvl="1"/>
+            <a:r>
+              <a:rPr lang="de-DE" dirty="0" err="1" smtClean="0"/>
+              <a:t>Sankets</a:t>
+            </a:r>
+            <a:r>
+              <a:rPr lang="de-DE" dirty="0" smtClean="0"/>
+              <a:t> </a:t>
+            </a:r>
+            <a:r>
+              <a:rPr lang="de-DE" dirty="0" err="1" smtClean="0"/>
+              <a:t>idea</a:t>
+            </a:r>
+            <a:r>
+              <a:rPr lang="de-DE" dirty="0" smtClean="0"/>
+              <a:t> </a:t>
+            </a:r>
+            <a:r>
+              <a:rPr lang="de-DE" dirty="0" err="1" smtClean="0"/>
+              <a:t>of</a:t>
+            </a:r>
+            <a:r>
+              <a:rPr lang="de-DE" dirty="0" smtClean="0"/>
+              <a:t> an </a:t>
+            </a:r>
+            <a:r>
+              <a:rPr lang="de-DE" dirty="0" err="1" smtClean="0"/>
+              <a:t>abstract</a:t>
+            </a:r>
+            <a:r>
+              <a:rPr lang="de-DE" dirty="0" smtClean="0"/>
+              <a:t> </a:t>
+            </a:r>
+            <a:r>
+              <a:rPr lang="de-DE" dirty="0" err="1" smtClean="0"/>
+              <a:t>for</a:t>
+            </a:r>
+            <a:r>
+              <a:rPr lang="de-DE" dirty="0" smtClean="0"/>
+              <a:t> CIRED</a:t>
+            </a:r>
+          </a:p>
+          <a:p>
+            <a:pPr lvl="1"/>
+            <a:r>
+              <a:rPr lang="de-DE" dirty="0" err="1" smtClean="0"/>
+              <a:t>Colloboration</a:t>
+            </a:r>
+            <a:r>
+              <a:rPr lang="de-DE" dirty="0" smtClean="0"/>
+              <a:t> </a:t>
+            </a:r>
+            <a:r>
+              <a:rPr lang="de-DE" dirty="0" err="1" smtClean="0"/>
+              <a:t>for</a:t>
+            </a:r>
+            <a:r>
+              <a:rPr lang="de-DE" dirty="0" smtClean="0"/>
+              <a:t> E-Land</a:t>
+            </a:r>
+            <a:endParaRPr lang="en-GB" dirty="0"/>
+          </a:p>
+        </p:txBody>
+      </p:sp>
+      <p:sp>
+        <p:nvSpPr>
+          <p:cNvPr id="6" name="Datumsplatzhalter 5"/>
+          <p:cNvSpPr>
+            <a:spLocks noGrp="1"/>
+          </p:cNvSpPr>
+          <p:nvPr>
+            <p:ph type="dt" sz="half" idx="14"/>
+          </p:nvPr>
+        </p:nvSpPr>
+        <p:spPr/>
+        <p:txBody>
+          <a:bodyPr/>
+          <a:lstStyle/>
+          <a:p>
+            <a:r>
+              <a:rPr lang="en-US" noProof="0" smtClean="0"/>
+              <a:t>September 20, 2019</a:t>
+            </a:r>
+            <a:endParaRPr lang="en-US" noProof="0" dirty="0"/>
+          </a:p>
+        </p:txBody>
+      </p:sp>
+    </p:spTree>
+    <p:extLst>
+      <p:ext uri="{BB962C8B-B14F-4D97-AF65-F5344CB8AC3E}">
+        <p14:creationId xmlns:p14="http://schemas.microsoft.com/office/powerpoint/2010/main" val="3196532992"/>
+      </p:ext>
+    </p:extLst>
+  </p:cSld>
+  <p:clrMapOvr>
+    <a:masterClrMapping/>
+  </p:clrMapOvr>
 </p:sld>
 </file>
 
